--- a/SE401/Lectures/9-Testing Metrics/Testing metrics.pptx
+++ b/SE401/Lectures/9-Testing Metrics/Testing metrics.pptx
@@ -255,7 +255,7 @@
           <a:p>
             <a:fld id="{29DC965F-4EE6-424F-87B9-6E4E065EFA1D}" type="datetimeFigureOut">
               <a:rPr lang="en-US" smtClean="0"/>
-              <a:t>3/29/2021</a:t>
+              <a:t>10/17/2021</a:t>
             </a:fld>
             <a:endParaRPr lang="en-US"/>
           </a:p>
@@ -573,14 +573,14 @@
           <a:ln/>
           <a:extLst>
             <a:ext uri="{909E8E84-426E-40dd-AFC4-6F175D3DCCD1}">
-              <a14:hiddenFill xmlns="" xmlns:a14="http://schemas.microsoft.com/office/drawing/2010/main">
+              <a14:hiddenFill xmlns:a14="http://schemas.microsoft.com/office/drawing/2010/main" xmlns="">
                 <a:solidFill>
                   <a:srgbClr val="FFFFFF"/>
                 </a:solidFill>
               </a14:hiddenFill>
             </a:ext>
             <a:ext uri="{91240B29-F687-4f45-9708-019B960494DF}">
-              <a14:hiddenLine xmlns="" xmlns:a14="http://schemas.microsoft.com/office/drawing/2010/main" w="9525">
+              <a14:hiddenLine xmlns:a14="http://schemas.microsoft.com/office/drawing/2010/main" xmlns="" w="9525">
                 <a:solidFill>
                   <a:srgbClr val="000000"/>
                 </a:solidFill>
@@ -3044,14 +3044,14 @@
           <a:ln/>
           <a:extLst>
             <a:ext uri="{909E8E84-426E-40dd-AFC4-6F175D3DCCD1}">
-              <a14:hiddenFill xmlns="" xmlns:a14="http://schemas.microsoft.com/office/drawing/2010/main">
+              <a14:hiddenFill xmlns:a14="http://schemas.microsoft.com/office/drawing/2010/main" xmlns="">
                 <a:solidFill>
                   <a:srgbClr val="FFFFFF"/>
                 </a:solidFill>
               </a14:hiddenFill>
             </a:ext>
             <a:ext uri="{91240B29-F687-4f45-9708-019B960494DF}">
-              <a14:hiddenLine xmlns="" xmlns:a14="http://schemas.microsoft.com/office/drawing/2010/main" w="9525">
+              <a14:hiddenLine xmlns:a14="http://schemas.microsoft.com/office/drawing/2010/main" xmlns="" w="9525">
                 <a:solidFill>
                   <a:srgbClr val="000000"/>
                 </a:solidFill>
@@ -3061,7 +3061,7 @@
               </a14:hiddenLine>
             </a:ext>
             <a:ext uri="{FAA26D3D-D897-4be2-8F04-BA451C77F1D7}">
-              <ma14:placeholderFlag xmlns="" xmlns:ma14="http://schemas.microsoft.com/office/mac/drawingml/2011/main" val="1"/>
+              <ma14:placeholderFlag xmlns:ma14="http://schemas.microsoft.com/office/mac/drawingml/2011/main" xmlns="" val="1"/>
             </a:ext>
           </a:extLst>
         </p:spPr>
@@ -3245,14 +3245,14 @@
           <a:ln/>
           <a:extLst>
             <a:ext uri="{909E8E84-426E-40dd-AFC4-6F175D3DCCD1}">
-              <a14:hiddenFill xmlns="" xmlns:a14="http://schemas.microsoft.com/office/drawing/2010/main">
+              <a14:hiddenFill xmlns:a14="http://schemas.microsoft.com/office/drawing/2010/main" xmlns="">
                 <a:solidFill>
                   <a:srgbClr val="FFFFFF"/>
                 </a:solidFill>
               </a14:hiddenFill>
             </a:ext>
             <a:ext uri="{91240B29-F687-4f45-9708-019B960494DF}">
-              <a14:hiddenLine xmlns="" xmlns:a14="http://schemas.microsoft.com/office/drawing/2010/main" w="9525">
+              <a14:hiddenLine xmlns:a14="http://schemas.microsoft.com/office/drawing/2010/main" xmlns="" w="9525">
                 <a:solidFill>
                   <a:srgbClr val="000000"/>
                 </a:solidFill>
@@ -3262,7 +3262,7 @@
               </a14:hiddenLine>
             </a:ext>
             <a:ext uri="{FAA26D3D-D897-4be2-8F04-BA451C77F1D7}">
-              <ma14:placeholderFlag xmlns="" xmlns:ma14="http://schemas.microsoft.com/office/mac/drawingml/2011/main" val="1"/>
+              <ma14:placeholderFlag xmlns:ma14="http://schemas.microsoft.com/office/mac/drawingml/2011/main" xmlns="" val="1"/>
             </a:ext>
           </a:extLst>
         </p:spPr>
@@ -4134,14 +4134,14 @@
           <a:ln/>
           <a:extLst>
             <a:ext uri="{909E8E84-426E-40dd-AFC4-6F175D3DCCD1}">
-              <a14:hiddenFill xmlns="" xmlns:a14="http://schemas.microsoft.com/office/drawing/2010/main">
+              <a14:hiddenFill xmlns:a14="http://schemas.microsoft.com/office/drawing/2010/main" xmlns="">
                 <a:solidFill>
                   <a:srgbClr val="FFFFFF"/>
                 </a:solidFill>
               </a14:hiddenFill>
             </a:ext>
             <a:ext uri="{91240B29-F687-4f45-9708-019B960494DF}">
-              <a14:hiddenLine xmlns="" xmlns:a14="http://schemas.microsoft.com/office/drawing/2010/main" w="9525">
+              <a14:hiddenLine xmlns:a14="http://schemas.microsoft.com/office/drawing/2010/main" xmlns="" w="9525">
                 <a:solidFill>
                   <a:srgbClr val="000000"/>
                 </a:solidFill>
@@ -4151,7 +4151,7 @@
               </a14:hiddenLine>
             </a:ext>
             <a:ext uri="{FAA26D3D-D897-4be2-8F04-BA451C77F1D7}">
-              <ma14:placeholderFlag xmlns="" xmlns:ma14="http://schemas.microsoft.com/office/mac/drawingml/2011/main" val="1"/>
+              <ma14:placeholderFlag xmlns:ma14="http://schemas.microsoft.com/office/mac/drawingml/2011/main" xmlns="" val="1"/>
             </a:ext>
           </a:extLst>
         </p:spPr>
@@ -4340,14 +4340,14 @@
           <a:ln/>
           <a:extLst>
             <a:ext uri="{909E8E84-426E-40dd-AFC4-6F175D3DCCD1}">
-              <a14:hiddenFill xmlns="" xmlns:a14="http://schemas.microsoft.com/office/drawing/2010/main">
+              <a14:hiddenFill xmlns:a14="http://schemas.microsoft.com/office/drawing/2010/main" xmlns="">
                 <a:solidFill>
                   <a:srgbClr val="FFFFFF"/>
                 </a:solidFill>
               </a14:hiddenFill>
             </a:ext>
             <a:ext uri="{91240B29-F687-4f45-9708-019B960494DF}">
-              <a14:hiddenLine xmlns="" xmlns:a14="http://schemas.microsoft.com/office/drawing/2010/main" w="9525">
+              <a14:hiddenLine xmlns:a14="http://schemas.microsoft.com/office/drawing/2010/main" xmlns="" w="9525">
                 <a:solidFill>
                   <a:srgbClr val="000000"/>
                 </a:solidFill>
@@ -4549,14 +4549,14 @@
           <a:ln/>
           <a:extLst>
             <a:ext uri="{909E8E84-426E-40dd-AFC4-6F175D3DCCD1}">
-              <a14:hiddenFill xmlns="" xmlns:a14="http://schemas.microsoft.com/office/drawing/2010/main">
+              <a14:hiddenFill xmlns:a14="http://schemas.microsoft.com/office/drawing/2010/main" xmlns="">
                 <a:solidFill>
                   <a:srgbClr val="FFFFFF"/>
                 </a:solidFill>
               </a14:hiddenFill>
             </a:ext>
             <a:ext uri="{91240B29-F687-4f45-9708-019B960494DF}">
-              <a14:hiddenLine xmlns="" xmlns:a14="http://schemas.microsoft.com/office/drawing/2010/main" w="9525">
+              <a14:hiddenLine xmlns:a14="http://schemas.microsoft.com/office/drawing/2010/main" xmlns="" w="9525">
                 <a:solidFill>
                   <a:srgbClr val="000000"/>
                 </a:solidFill>
@@ -4566,7 +4566,7 @@
               </a14:hiddenLine>
             </a:ext>
             <a:ext uri="{FAA26D3D-D897-4be2-8F04-BA451C77F1D7}">
-              <ma14:placeholderFlag xmlns="" xmlns:ma14="http://schemas.microsoft.com/office/mac/drawingml/2011/main" val="1"/>
+              <ma14:placeholderFlag xmlns:ma14="http://schemas.microsoft.com/office/mac/drawingml/2011/main" xmlns="" val="1"/>
             </a:ext>
           </a:extLst>
         </p:spPr>
@@ -4851,7 +4851,7 @@
           <a:p>
             <a:fld id="{7272F2F9-CD74-4B3E-B3B2-A6C969DA592C}" type="datetime1">
               <a:rPr lang="en-US" smtClean="0"/>
-              <a:t>3/29/2021</a:t>
+              <a:t>10/17/2021</a:t>
             </a:fld>
             <a:endParaRPr lang="en-US"/>
           </a:p>
@@ -5102,7 +5102,7 @@
           <a:p>
             <a:fld id="{7482E961-483E-4B4E-B520-ED88B8D960E1}" type="datetime1">
               <a:rPr lang="en-US" smtClean="0"/>
-              <a:t>3/29/2021</a:t>
+              <a:t>10/17/2021</a:t>
             </a:fld>
             <a:endParaRPr lang="en-US"/>
           </a:p>
@@ -5282,7 +5282,7 @@
           <a:p>
             <a:fld id="{87F7FFB9-F394-41F8-A058-432A98C7A4B4}" type="datetime1">
               <a:rPr lang="en-US" smtClean="0"/>
-              <a:t>3/29/2021</a:t>
+              <a:t>10/17/2021</a:t>
             </a:fld>
             <a:endParaRPr lang="en-US"/>
           </a:p>
@@ -5452,7 +5452,7 @@
           <a:p>
             <a:fld id="{F6BF146D-CB5F-43C2-A799-C1F9BE9DEBDD}" type="datetime1">
               <a:rPr lang="en-US" smtClean="0"/>
-              <a:t>3/29/2021</a:t>
+              <a:t>10/17/2021</a:t>
             </a:fld>
             <a:endParaRPr lang="en-US"/>
           </a:p>
@@ -5698,7 +5698,7 @@
           <a:p>
             <a:fld id="{BEEB4689-8CB7-4D86-BEA3-BD32206A121E}" type="datetime1">
               <a:rPr lang="en-US" smtClean="0"/>
-              <a:t>3/29/2021</a:t>
+              <a:t>10/17/2021</a:t>
             </a:fld>
             <a:endParaRPr lang="en-US"/>
           </a:p>
@@ -5930,7 +5930,7 @@
           <a:p>
             <a:fld id="{B53910F5-4530-4A22-A652-1C7E76747220}" type="datetime1">
               <a:rPr lang="en-US" smtClean="0"/>
-              <a:t>3/29/2021</a:t>
+              <a:t>10/17/2021</a:t>
             </a:fld>
             <a:endParaRPr lang="en-US"/>
           </a:p>
@@ -6297,7 +6297,7 @@
           <a:p>
             <a:fld id="{79701541-B8F7-41BE-8CB5-F870DA1BADA0}" type="datetime1">
               <a:rPr lang="en-US" smtClean="0"/>
-              <a:t>3/29/2021</a:t>
+              <a:t>10/17/2021</a:t>
             </a:fld>
             <a:endParaRPr lang="en-US"/>
           </a:p>
@@ -6415,7 +6415,7 @@
           <a:p>
             <a:fld id="{30F749FE-D311-4411-B328-F09A7C8F4D3F}" type="datetime1">
               <a:rPr lang="en-US" smtClean="0"/>
-              <a:t>3/29/2021</a:t>
+              <a:t>10/17/2021</a:t>
             </a:fld>
             <a:endParaRPr lang="en-US"/>
           </a:p>
@@ -6510,7 +6510,7 @@
           <a:p>
             <a:fld id="{90C6AB07-311B-48F3-BA70-4083BB618A7B}" type="datetime1">
               <a:rPr lang="en-US" smtClean="0"/>
-              <a:t>3/29/2021</a:t>
+              <a:t>10/17/2021</a:t>
             </a:fld>
             <a:endParaRPr lang="en-US"/>
           </a:p>
@@ -6787,7 +6787,7 @@
           <a:p>
             <a:fld id="{29A1A05D-3BAF-491F-8176-6CC198FB7361}" type="datetime1">
               <a:rPr lang="en-US" smtClean="0"/>
-              <a:t>3/29/2021</a:t>
+              <a:t>10/17/2021</a:t>
             </a:fld>
             <a:endParaRPr lang="en-US"/>
           </a:p>
@@ -7040,7 +7040,7 @@
           <a:p>
             <a:fld id="{CE496C75-030F-4701-ADB8-293269ED8078}" type="datetime1">
               <a:rPr lang="en-US" smtClean="0"/>
-              <a:t>3/29/2021</a:t>
+              <a:t>10/17/2021</a:t>
             </a:fld>
             <a:endParaRPr lang="en-US"/>
           </a:p>
@@ -7254,7 +7254,7 @@
           <a:p>
             <a:fld id="{4C8E73E5-3B6C-4753-BCD5-4A571DE3C7EA}" type="datetime1">
               <a:rPr lang="en-US" smtClean="0"/>
-              <a:t>3/29/2021</a:t>
+              <a:t>10/17/2021</a:t>
             </a:fld>
             <a:endParaRPr lang="en-US"/>
           </a:p>
@@ -9222,7 +9222,7 @@
           <a:noFill/>
           <a:extLst>
             <a:ext uri="{909E8E84-426E-40dd-AFC4-6F175D3DCCD1}">
-              <a14:hiddenFill xmlns="" xmlns:a14="http://schemas.microsoft.com/office/drawing/2010/main">
+              <a14:hiddenFill xmlns:a14="http://schemas.microsoft.com/office/drawing/2010/main" xmlns="">
                 <a:solidFill>
                   <a:srgbClr val="FFFFFF"/>
                 </a:solidFill>
@@ -11145,7 +11145,7 @@
           <a:noFill/>
           <a:extLst>
             <a:ext uri="{909E8E84-426E-40dd-AFC4-6F175D3DCCD1}">
-              <a14:hiddenFill xmlns="" xmlns:a14="http://schemas.microsoft.com/office/drawing/2010/main">
+              <a14:hiddenFill xmlns:a14="http://schemas.microsoft.com/office/drawing/2010/main" xmlns="">
                 <a:solidFill>
                   <a:srgbClr val="FFFFFF"/>
                 </a:solidFill>
@@ -11568,7 +11568,7 @@
           <a:noFill/>
           <a:extLst>
             <a:ext uri="{909E8E84-426E-40dd-AFC4-6F175D3DCCD1}">
-              <a14:hiddenFill xmlns="" xmlns:a14="http://schemas.microsoft.com/office/drawing/2010/main">
+              <a14:hiddenFill xmlns:a14="http://schemas.microsoft.com/office/drawing/2010/main" xmlns="">
                 <a:solidFill>
                   <a:srgbClr val="FFFFFF"/>
                 </a:solidFill>
@@ -12002,7 +12002,7 @@
           <a:noFill/>
           <a:extLst>
             <a:ext uri="{909E8E84-426E-40dd-AFC4-6F175D3DCCD1}">
-              <a14:hiddenFill xmlns="" xmlns:a14="http://schemas.microsoft.com/office/drawing/2010/main">
+              <a14:hiddenFill xmlns:a14="http://schemas.microsoft.com/office/drawing/2010/main" xmlns="">
                 <a:solidFill>
                   <a:srgbClr val="FFFFFF"/>
                 </a:solidFill>
@@ -12620,7 +12620,7 @@
           <a:noFill/>
           <a:extLst>
             <a:ext uri="{909E8E84-426E-40dd-AFC4-6F175D3DCCD1}">
-              <a14:hiddenFill xmlns="" xmlns:a14="http://schemas.microsoft.com/office/drawing/2010/main">
+              <a14:hiddenFill xmlns:a14="http://schemas.microsoft.com/office/drawing/2010/main" xmlns="">
                 <a:solidFill>
                   <a:srgbClr val="FFFFFF"/>
                 </a:solidFill>
@@ -13491,7 +13491,7 @@
           <a:noFill/>
           <a:extLst>
             <a:ext uri="{909E8E84-426E-40dd-AFC4-6F175D3DCCD1}">
-              <a14:hiddenFill xmlns="" xmlns:a14="http://schemas.microsoft.com/office/drawing/2010/main">
+              <a14:hiddenFill xmlns:a14="http://schemas.microsoft.com/office/drawing/2010/main" xmlns="">
                 <a:solidFill>
                   <a:srgbClr val="FFFFFF"/>
                 </a:solidFill>
@@ -13919,7 +13919,7 @@
           <a:noFill/>
           <a:extLst>
             <a:ext uri="{909E8E84-426E-40dd-AFC4-6F175D3DCCD1}">
-              <a14:hiddenFill xmlns="" xmlns:a14="http://schemas.microsoft.com/office/drawing/2010/main">
+              <a14:hiddenFill xmlns:a14="http://schemas.microsoft.com/office/drawing/2010/main" xmlns="">
                 <a:solidFill>
                   <a:srgbClr val="FFFFFF"/>
                 </a:solidFill>
@@ -14345,7 +14345,7 @@
           <a:noFill/>
           <a:extLst>
             <a:ext uri="{909E8E84-426E-40dd-AFC4-6F175D3DCCD1}">
-              <a14:hiddenFill xmlns="" xmlns:a14="http://schemas.microsoft.com/office/drawing/2010/main">
+              <a14:hiddenFill xmlns:a14="http://schemas.microsoft.com/office/drawing/2010/main" xmlns="">
                 <a:solidFill>
                   <a:srgbClr val="FFFFFF"/>
                 </a:solidFill>
@@ -14773,7 +14773,7 @@
           <a:noFill/>
           <a:extLst>
             <a:ext uri="{909E8E84-426E-40dd-AFC4-6F175D3DCCD1}">
-              <a14:hiddenFill xmlns="" xmlns:a14="http://schemas.microsoft.com/office/drawing/2010/main">
+              <a14:hiddenFill xmlns:a14="http://schemas.microsoft.com/office/drawing/2010/main" xmlns="">
                 <a:solidFill>
                   <a:srgbClr val="FFFFFF"/>
                 </a:solidFill>
@@ -18551,7 +18551,7 @@
               </a:ln>
               <a:extLst>
                 <a:ext uri="{909E8E84-426E-40dd-AFC4-6F175D3DCCD1}">
-                  <a14:hiddenFill xmlns="" xmlns:a14="http://schemas.microsoft.com/office/drawing/2010/main">
+                  <a14:hiddenFill xmlns:a14="http://schemas.microsoft.com/office/drawing/2010/main" xmlns="">
                     <a:noFill/>
                   </a14:hiddenFill>
                 </a:ext>
@@ -18658,7 +18658,7 @@
               </a:ln>
               <a:extLst>
                 <a:ext uri="{909E8E84-426E-40dd-AFC4-6F175D3DCCD1}">
-                  <a14:hiddenFill xmlns="" xmlns:a14="http://schemas.microsoft.com/office/drawing/2010/main">
+                  <a14:hiddenFill xmlns:a14="http://schemas.microsoft.com/office/drawing/2010/main" xmlns="">
                     <a:solidFill>
                       <a:srgbClr val="FFFFFF"/>
                     </a:solidFill>
@@ -18704,7 +18704,7 @@
             </a:ln>
             <a:extLst>
               <a:ext uri="{909E8E84-426E-40dd-AFC4-6F175D3DCCD1}">
-                <a14:hiddenFill xmlns="" xmlns:a14="http://schemas.microsoft.com/office/drawing/2010/main">
+                <a14:hiddenFill xmlns:a14="http://schemas.microsoft.com/office/drawing/2010/main" xmlns="">
                   <a:noFill/>
                 </a14:hiddenFill>
               </a:ext>
@@ -18749,7 +18749,7 @@
             </a:ln>
             <a:extLst>
               <a:ext uri="{909E8E84-426E-40dd-AFC4-6F175D3DCCD1}">
-                <a14:hiddenFill xmlns="" xmlns:a14="http://schemas.microsoft.com/office/drawing/2010/main">
+                <a14:hiddenFill xmlns:a14="http://schemas.microsoft.com/office/drawing/2010/main" xmlns="">
                   <a:noFill/>
                 </a14:hiddenFill>
               </a:ext>
@@ -18842,14 +18842,14 @@
             </a:ln>
             <a:extLst>
               <a:ext uri="{909E8E84-426E-40dd-AFC4-6F175D3DCCD1}">
-                <a14:hiddenFill xmlns="" xmlns:a14="http://schemas.microsoft.com/office/drawing/2010/main">
+                <a14:hiddenFill xmlns:a14="http://schemas.microsoft.com/office/drawing/2010/main" xmlns="">
                   <a:solidFill>
                     <a:srgbClr val="FFFFFF"/>
                   </a:solidFill>
                 </a14:hiddenFill>
               </a:ext>
               <a:ext uri="{91240B29-F687-4f45-9708-019B960494DF}">
-                <a14:hiddenLine xmlns="" xmlns:a14="http://schemas.microsoft.com/office/drawing/2010/main" w="9525">
+                <a14:hiddenLine xmlns:a14="http://schemas.microsoft.com/office/drawing/2010/main" xmlns="" w="9525">
                   <a:solidFill>
                     <a:srgbClr val="000000"/>
                   </a:solidFill>
@@ -19093,14 +19093,14 @@
           </a:ln>
           <a:extLst>
             <a:ext uri="{909E8E84-426E-40dd-AFC4-6F175D3DCCD1}">
-              <a14:hiddenFill xmlns="" xmlns:a14="http://schemas.microsoft.com/office/drawing/2010/main">
+              <a14:hiddenFill xmlns:a14="http://schemas.microsoft.com/office/drawing/2010/main" xmlns="">
                 <a:solidFill>
                   <a:srgbClr val="FFFFFF"/>
                 </a:solidFill>
               </a14:hiddenFill>
             </a:ext>
             <a:ext uri="{91240B29-F687-4f45-9708-019B960494DF}">
-              <a14:hiddenLine xmlns="" xmlns:a14="http://schemas.microsoft.com/office/drawing/2010/main" w="9525">
+              <a14:hiddenLine xmlns:a14="http://schemas.microsoft.com/office/drawing/2010/main" xmlns="" w="9525">
                 <a:solidFill>
                   <a:srgbClr val="000000"/>
                 </a:solidFill>
@@ -19187,14 +19187,14 @@
           </a:ln>
           <a:extLst>
             <a:ext uri="{909E8E84-426E-40dd-AFC4-6F175D3DCCD1}">
-              <a14:hiddenFill xmlns="" xmlns:a14="http://schemas.microsoft.com/office/drawing/2010/main">
+              <a14:hiddenFill xmlns:a14="http://schemas.microsoft.com/office/drawing/2010/main" xmlns="">
                 <a:solidFill>
                   <a:srgbClr val="FFFFFF"/>
                 </a:solidFill>
               </a14:hiddenFill>
             </a:ext>
             <a:ext uri="{91240B29-F687-4f45-9708-019B960494DF}">
-              <a14:hiddenLine xmlns="" xmlns:a14="http://schemas.microsoft.com/office/drawing/2010/main" w="9525">
+              <a14:hiddenLine xmlns:a14="http://schemas.microsoft.com/office/drawing/2010/main" xmlns="" w="9525">
                 <a:solidFill>
                   <a:srgbClr val="000000"/>
                 </a:solidFill>
